--- a/labs/lab12_DE.pptx
+++ b/labs/lab12_DE.pptx
@@ -15,9 +15,9 @@
     <p:sldId id="328" r:id="rId6"/>
     <p:sldId id="326" r:id="rId7"/>
     <p:sldId id="323" r:id="rId8"/>
-    <p:sldId id="329" r:id="rId9"/>
-    <p:sldId id="330" r:id="rId10"/>
-    <p:sldId id="325" r:id="rId11"/>
+    <p:sldId id="325" r:id="rId9"/>
+    <p:sldId id="329" r:id="rId10"/>
+    <p:sldId id="330" r:id="rId11"/>
     <p:sldId id="324" r:id="rId12"/>
     <p:sldId id="331" r:id="rId13"/>
     <p:sldId id="332" r:id="rId14"/>
@@ -3880,7 +3880,7 @@
             </a:r>
             <a:r>
               <a:rPr lang="en-US" dirty="0" smtClean="0"/>
-              <a:t> Installation</a:t>
+              <a:t> – Paired-end reads</a:t>
             </a:r>
             <a:endParaRPr lang="en-US" dirty="0"/>
           </a:p>
@@ -3896,7 +3896,12 @@
             <p:ph idx="1"/>
           </p:nvPr>
         </p:nvSpPr>
-        <p:spPr/>
+        <p:spPr>
+          <a:xfrm>
+            <a:off x="1051537" y="1480358"/>
+            <a:ext cx="7282596" cy="3790252"/>
+          </a:xfrm>
+        </p:spPr>
         <p:txBody>
           <a:bodyPr>
             <a:normAutofit/>
@@ -3907,207 +3912,379 @@
               <a:buNone/>
             </a:pPr>
             <a:r>
-              <a:rPr lang="en-US" sz="1800" dirty="0"/>
-              <a:t>pip2.7 install --user </a:t>
-            </a:r>
-            <a:r>
-              <a:rPr lang="en-US" sz="1800" dirty="0" err="1"/>
-              <a:t>numpy</a:t>
-            </a:r>
-            <a:endParaRPr lang="en-US" sz="1800" dirty="0"/>
-          </a:p>
-          <a:p>
-            <a:pPr marL="0" indent="0">
-              <a:buNone/>
-            </a:pPr>
-            <a:r>
-              <a:rPr lang="en-US" sz="1800" dirty="0"/>
-              <a:t>pip2.7 install --user </a:t>
-            </a:r>
-            <a:r>
-              <a:rPr lang="en-US" sz="1800" dirty="0" err="1"/>
-              <a:t>PySam</a:t>
-            </a:r>
-            <a:endParaRPr lang="en-US" sz="1800" dirty="0"/>
-          </a:p>
-          <a:p>
-            <a:pPr marL="0" indent="0">
-              <a:buNone/>
-            </a:pPr>
-            <a:r>
-              <a:rPr lang="en-US" sz="1800" dirty="0"/>
-              <a:t>cd ~</a:t>
-            </a:r>
-          </a:p>
-          <a:p>
-            <a:pPr marL="0" indent="0">
-              <a:buNone/>
-            </a:pPr>
-            <a:r>
-              <a:rPr lang="en-US" sz="1800" dirty="0" err="1"/>
-              <a:t>mkdir</a:t>
-            </a:r>
-            <a:r>
-              <a:rPr lang="en-US" sz="1800" dirty="0"/>
+              <a:rPr lang="en-US" sz="1800" dirty="0" smtClean="0">
+                <a:latin typeface="Courier"/>
+                <a:cs typeface="Courier"/>
+              </a:rPr>
+              <a:t>### </a:t>
+            </a:r>
+            <a:r>
+              <a:rPr lang="en-US" sz="1800" dirty="0" err="1" smtClean="0">
+                <a:latin typeface="Courier"/>
+                <a:cs typeface="Courier"/>
+              </a:rPr>
+              <a:t>gtf</a:t>
+            </a:r>
+            <a:r>
+              <a:rPr lang="en-US" sz="1800" dirty="0" smtClean="0">
+                <a:latin typeface="Courier"/>
+                <a:cs typeface="Courier"/>
+              </a:rPr>
+              <a:t> file:</a:t>
+            </a:r>
+          </a:p>
+          <a:p>
+            <a:pPr marL="0" indent="0">
+              <a:buNone/>
+            </a:pPr>
+            <a:r>
+              <a:rPr lang="en-US" sz="1200" dirty="0" err="1" smtClean="0">
+                <a:latin typeface="Courier"/>
+                <a:cs typeface="Courier"/>
+              </a:rPr>
+              <a:t>gtf</a:t>
+            </a:r>
+            <a:r>
+              <a:rPr lang="en-US" sz="1200" dirty="0">
+                <a:latin typeface="Courier"/>
+                <a:cs typeface="Courier"/>
+              </a:rPr>
+              <a:t>=/homes/liu3zhen/teaching/BA17/Lab12_DE/</a:t>
+            </a:r>
+            <a:r>
+              <a:rPr lang="en-US" sz="1200" dirty="0" err="1">
+                <a:latin typeface="Courier"/>
+                <a:cs typeface="Courier"/>
+              </a:rPr>
+              <a:t>gtf</a:t>
+            </a:r>
+            <a:r>
+              <a:rPr lang="en-US" sz="1200" dirty="0">
+                <a:latin typeface="Courier"/>
+                <a:cs typeface="Courier"/>
+              </a:rPr>
+              <a:t>/ZmB73_5b_FGS.standard.gtf</a:t>
+            </a:r>
+            <a:endParaRPr lang="en-US" sz="1200" dirty="0" smtClean="0">
+              <a:latin typeface="Courier"/>
+              <a:cs typeface="Courier"/>
+            </a:endParaRPr>
+          </a:p>
+          <a:p>
+            <a:pPr marL="0" indent="0">
+              <a:buNone/>
+            </a:pPr>
+            <a:endParaRPr lang="en-US" sz="1800" dirty="0" smtClean="0">
+              <a:latin typeface="Courier"/>
+              <a:cs typeface="Courier"/>
+            </a:endParaRPr>
+          </a:p>
+          <a:p>
+            <a:pPr marL="0" indent="0">
+              <a:buNone/>
+            </a:pPr>
+            <a:r>
+              <a:rPr lang="en-US" sz="1800" dirty="0" smtClean="0">
+                <a:latin typeface="Courier"/>
+                <a:cs typeface="Courier"/>
+              </a:rPr>
+              <a:t>### BAM data</a:t>
+            </a:r>
+            <a:endParaRPr lang="en-US" sz="1800" dirty="0">
+              <a:latin typeface="Courier"/>
+              <a:cs typeface="Courier"/>
+            </a:endParaRPr>
+          </a:p>
+          <a:p>
+            <a:pPr marL="0" indent="0">
+              <a:buNone/>
+            </a:pPr>
+            <a:r>
+              <a:rPr lang="en-US" sz="1200" dirty="0">
+                <a:latin typeface="Courier"/>
+                <a:cs typeface="Courier"/>
+              </a:rPr>
+              <a:t>bam=</a:t>
+            </a:r>
+            <a:r>
+              <a:rPr lang="en-US" sz="1200" dirty="0">
+                <a:solidFill>
+                  <a:srgbClr val="D9D9D9"/>
+                </a:solidFill>
+                <a:latin typeface="Courier"/>
+                <a:cs typeface="Courier"/>
+              </a:rPr>
+              <a:t>/homes/liu3zhen/teaching/BA17/Lab12_DE/</a:t>
+            </a:r>
+            <a:r>
+              <a:rPr lang="en-US" sz="1200" dirty="0" err="1">
+                <a:solidFill>
+                  <a:srgbClr val="D9D9D9"/>
+                </a:solidFill>
+                <a:latin typeface="Courier"/>
+                <a:cs typeface="Courier"/>
+              </a:rPr>
+              <a:t>aln</a:t>
+            </a:r>
+            <a:r>
+              <a:rPr lang="en-US" sz="1200" dirty="0">
+                <a:solidFill>
+                  <a:srgbClr val="D9D9D9"/>
+                </a:solidFill>
+                <a:latin typeface="Courier"/>
+                <a:cs typeface="Courier"/>
+              </a:rPr>
+              <a:t>/</a:t>
+            </a:r>
+            <a:r>
+              <a:rPr lang="en-US" sz="1200" dirty="0" err="1">
+                <a:latin typeface="Courier"/>
+                <a:cs typeface="Courier"/>
+              </a:rPr>
+              <a:t>p</a:t>
+            </a:r>
+            <a:r>
+              <a:rPr lang="en-US" sz="1200" dirty="0" err="1" smtClean="0">
+                <a:latin typeface="Courier"/>
+                <a:cs typeface="Courier"/>
+              </a:rPr>
+              <a:t>e.bam</a:t>
+            </a:r>
+            <a:endParaRPr lang="en-US" sz="1200" dirty="0" smtClean="0">
+              <a:latin typeface="Courier"/>
+              <a:cs typeface="Courier"/>
+            </a:endParaRPr>
+          </a:p>
+          <a:p>
+            <a:pPr marL="0" indent="0">
+              <a:buNone/>
+            </a:pPr>
+            <a:endParaRPr lang="en-US" sz="1800" dirty="0" smtClean="0">
+              <a:latin typeface="Courier"/>
+              <a:cs typeface="Courier"/>
+            </a:endParaRPr>
+          </a:p>
+          <a:p>
+            <a:pPr marL="0" indent="0">
+              <a:buNone/>
+            </a:pPr>
+            <a:r>
+              <a:rPr lang="en-US" sz="1800" dirty="0" smtClean="0">
+                <a:latin typeface="Courier"/>
+                <a:cs typeface="Courier"/>
+              </a:rPr>
+              <a:t>### counting</a:t>
+            </a:r>
+            <a:endParaRPr lang="en-US" sz="1800" dirty="0">
+              <a:latin typeface="Courier"/>
+              <a:cs typeface="Courier"/>
+            </a:endParaRPr>
+          </a:p>
+          <a:p>
+            <a:pPr marL="0" indent="0">
+              <a:buNone/>
+            </a:pPr>
+            <a:r>
+              <a:rPr lang="en-US" sz="1800" dirty="0">
+                <a:latin typeface="Courier"/>
+                <a:cs typeface="Courier"/>
+              </a:rPr>
+              <a:t>/homes/liu3zhen/software/bin/</a:t>
+            </a:r>
+            <a:r>
+              <a:rPr lang="en-US" sz="1800" dirty="0" err="1">
+                <a:latin typeface="Courier"/>
+                <a:cs typeface="Courier"/>
+              </a:rPr>
+              <a:t>htseq</a:t>
+            </a:r>
+            <a:r>
+              <a:rPr lang="en-US" sz="1800" dirty="0">
+                <a:latin typeface="Courier"/>
+                <a:cs typeface="Courier"/>
+              </a:rPr>
+              <a:t>-</a:t>
+            </a:r>
+            <a:r>
+              <a:rPr lang="en-US" sz="1800" dirty="0" smtClean="0">
+                <a:latin typeface="Courier"/>
+                <a:cs typeface="Courier"/>
+              </a:rPr>
+              <a:t>count \</a:t>
+            </a:r>
+          </a:p>
+          <a:p>
+            <a:pPr marL="0" indent="0">
+              <a:buNone/>
+            </a:pPr>
+            <a:r>
+              <a:rPr lang="en-US" sz="1800" dirty="0">
+                <a:latin typeface="Courier"/>
+                <a:cs typeface="Courier"/>
+              </a:rPr>
               <a:t> </a:t>
             </a:r>
             <a:r>
-              <a:rPr lang="en-US" sz="1800" dirty="0" smtClean="0"/>
-              <a:t>software</a:t>
-            </a:r>
-            <a:endParaRPr lang="en-US" sz="1800" dirty="0"/>
-          </a:p>
-          <a:p>
-            <a:pPr marL="0" indent="0">
-              <a:buNone/>
-            </a:pPr>
-            <a:r>
-              <a:rPr lang="en-US" sz="1800" dirty="0"/>
-              <a:t>cd </a:t>
-            </a:r>
-            <a:r>
-              <a:rPr lang="en-US" sz="1800" dirty="0" smtClean="0"/>
-              <a:t>software</a:t>
-            </a:r>
-            <a:endParaRPr lang="en-US" sz="1800" dirty="0"/>
-          </a:p>
-          <a:p>
-            <a:pPr marL="0" indent="0">
-              <a:buNone/>
-            </a:pPr>
-            <a:r>
-              <a:rPr lang="en-US" sz="1800" dirty="0" err="1"/>
-              <a:t>mkdir</a:t>
-            </a:r>
-            <a:r>
-              <a:rPr lang="en-US" sz="1800" dirty="0"/>
+              <a:rPr lang="en-US" sz="1800" dirty="0" smtClean="0">
+                <a:latin typeface="Courier"/>
+                <a:cs typeface="Courier"/>
+              </a:rPr>
               <a:t> </a:t>
             </a:r>
             <a:r>
-              <a:rPr lang="en-US" sz="1800" dirty="0" err="1" smtClean="0"/>
-              <a:t>HTSeq</a:t>
-            </a:r>
-            <a:endParaRPr lang="en-US" sz="1800" dirty="0" smtClean="0"/>
-          </a:p>
-          <a:p>
-            <a:pPr marL="0" indent="0">
-              <a:buNone/>
-            </a:pPr>
-            <a:r>
-              <a:rPr lang="en-US" sz="1800" dirty="0" smtClean="0"/>
-              <a:t>cd </a:t>
-            </a:r>
-            <a:r>
-              <a:rPr lang="en-US" sz="1800" dirty="0" err="1" smtClean="0"/>
-              <a:t>HTSeq</a:t>
-            </a:r>
-            <a:endParaRPr lang="en-US" sz="1800" dirty="0"/>
-          </a:p>
-          <a:p>
-            <a:pPr marL="0" indent="0">
-              <a:buNone/>
-            </a:pPr>
-            <a:r>
-              <a:rPr lang="en-US" sz="1800" dirty="0" err="1"/>
-              <a:t>wget</a:t>
-            </a:r>
-            <a:r>
-              <a:rPr lang="en-US" sz="1800" dirty="0"/>
-              <a:t> https://</a:t>
-            </a:r>
-            <a:r>
-              <a:rPr lang="en-US" sz="1800" dirty="0" err="1"/>
-              <a:t>pypi.python.org</a:t>
-            </a:r>
-            <a:r>
-              <a:rPr lang="en-US" sz="1800" dirty="0"/>
-              <a:t>/packages/source/H/</a:t>
-            </a:r>
-            <a:r>
-              <a:rPr lang="en-US" sz="1800" dirty="0" err="1"/>
-              <a:t>HTSeq</a:t>
-            </a:r>
-            <a:r>
-              <a:rPr lang="en-US" sz="1800" dirty="0"/>
-              <a:t>/HTSeq-0.6.1p1.tar.gz</a:t>
-            </a:r>
-          </a:p>
-          <a:p>
-            <a:pPr marL="0" indent="0">
-              <a:buNone/>
-            </a:pPr>
-            <a:r>
-              <a:rPr lang="en-US" sz="1800" dirty="0"/>
-              <a:t>tar -</a:t>
-            </a:r>
-            <a:r>
-              <a:rPr lang="en-US" sz="1800" dirty="0" err="1"/>
-              <a:t>xf</a:t>
-            </a:r>
-            <a:r>
-              <a:rPr lang="en-US" sz="1800" dirty="0"/>
-              <a:t> HTSeq-0.6.1p1.tar.gz</a:t>
-            </a:r>
-          </a:p>
-          <a:p>
-            <a:pPr marL="0" indent="0">
-              <a:buNone/>
-            </a:pPr>
-            <a:r>
-              <a:rPr lang="en-US" sz="1800" dirty="0"/>
-              <a:t>cd HTSeq-0.6.1p1</a:t>
-            </a:r>
-          </a:p>
-          <a:p>
-            <a:pPr marL="0" indent="0">
-              <a:buNone/>
-            </a:pPr>
-            <a:r>
-              <a:rPr lang="en-US" sz="1800" dirty="0"/>
-              <a:t>python2.7 </a:t>
-            </a:r>
-            <a:r>
-              <a:rPr lang="en-US" sz="1800" dirty="0" err="1"/>
-              <a:t>setup.py</a:t>
-            </a:r>
-            <a:r>
-              <a:rPr lang="en-US" sz="1800" dirty="0"/>
-              <a:t> install --user</a:t>
-            </a:r>
-          </a:p>
-          <a:p>
-            <a:pPr marL="0" indent="0">
-              <a:buNone/>
-            </a:pPr>
-            <a:r>
-              <a:rPr lang="en-US" sz="1800" dirty="0"/>
-              <a:t>export PATH=$PATH:~/</a:t>
-            </a:r>
-            <a:r>
-              <a:rPr lang="en-US" sz="1800" dirty="0" smtClean="0"/>
-              <a:t>software/</a:t>
-            </a:r>
-            <a:r>
-              <a:rPr lang="en-US" sz="1800" dirty="0" err="1"/>
-              <a:t>HTSeq</a:t>
-            </a:r>
-            <a:r>
-              <a:rPr lang="en-US" sz="1800" dirty="0"/>
-              <a:t>/HTSeq-0.6.1p1/build/scripts-2.7 </a:t>
-            </a:r>
-          </a:p>
-          <a:p>
-            <a:pPr marL="0" indent="0">
-              <a:buNone/>
-            </a:pPr>
-            <a:endParaRPr lang="en-US" sz="1800" dirty="0"/>
+              <a:rPr lang="en-US" sz="1800" dirty="0" smtClean="0">
+                <a:latin typeface="Courier"/>
+                <a:cs typeface="Courier"/>
+              </a:rPr>
+              <a:t>-</a:t>
+            </a:r>
+            <a:r>
+              <a:rPr lang="en-US" sz="1800" dirty="0">
+                <a:latin typeface="Courier"/>
+                <a:cs typeface="Courier"/>
+              </a:rPr>
+              <a:t>-stranded=no --type=exon --order=</a:t>
+            </a:r>
+            <a:r>
+              <a:rPr lang="en-US" sz="1800" dirty="0" err="1">
+                <a:latin typeface="Courier"/>
+                <a:cs typeface="Courier"/>
+              </a:rPr>
+              <a:t>pos</a:t>
+            </a:r>
+            <a:r>
+              <a:rPr lang="en-US" sz="1800" dirty="0">
+                <a:latin typeface="Courier"/>
+                <a:cs typeface="Courier"/>
+              </a:rPr>
+              <a:t> </a:t>
+            </a:r>
+            <a:r>
+              <a:rPr lang="en-US" sz="1800" dirty="0" smtClean="0">
+                <a:latin typeface="Courier"/>
+                <a:cs typeface="Courier"/>
+              </a:rPr>
+              <a:t>\</a:t>
+            </a:r>
+          </a:p>
+          <a:p>
+            <a:pPr marL="0" indent="0">
+              <a:buNone/>
+            </a:pPr>
+            <a:r>
+              <a:rPr lang="en-US" sz="1800" dirty="0">
+                <a:latin typeface="Courier"/>
+                <a:cs typeface="Courier"/>
+              </a:rPr>
+              <a:t> </a:t>
+            </a:r>
+            <a:r>
+              <a:rPr lang="en-US" sz="1800" dirty="0" smtClean="0">
+                <a:latin typeface="Courier"/>
+                <a:cs typeface="Courier"/>
+              </a:rPr>
+              <a:t> </a:t>
+            </a:r>
+            <a:r>
+              <a:rPr lang="en-US" sz="1800" dirty="0" smtClean="0">
+                <a:latin typeface="Courier"/>
+                <a:cs typeface="Courier"/>
+              </a:rPr>
+              <a:t>-</a:t>
+            </a:r>
+            <a:r>
+              <a:rPr lang="en-US" sz="1800" dirty="0">
+                <a:latin typeface="Courier"/>
+                <a:cs typeface="Courier"/>
+              </a:rPr>
+              <a:t>-format=bam --</a:t>
+            </a:r>
+            <a:r>
+              <a:rPr lang="en-US" sz="1800" dirty="0" err="1">
+                <a:latin typeface="Courier"/>
+                <a:cs typeface="Courier"/>
+              </a:rPr>
+              <a:t>minaqual</a:t>
+            </a:r>
+            <a:r>
+              <a:rPr lang="en-US" sz="1800" dirty="0">
+                <a:latin typeface="Courier"/>
+                <a:cs typeface="Courier"/>
+              </a:rPr>
+              <a:t>=30 --mode=</a:t>
+            </a:r>
+            <a:r>
+              <a:rPr lang="en-US" sz="1800" dirty="0" smtClean="0">
+                <a:latin typeface="Courier"/>
+                <a:cs typeface="Courier"/>
+              </a:rPr>
+              <a:t>union \</a:t>
+            </a:r>
+          </a:p>
+          <a:p>
+            <a:pPr marL="0" indent="0">
+              <a:buNone/>
+            </a:pPr>
+            <a:r>
+              <a:rPr lang="en-US" sz="1800" dirty="0">
+                <a:latin typeface="Courier"/>
+                <a:cs typeface="Courier"/>
+              </a:rPr>
+              <a:t> </a:t>
+            </a:r>
+            <a:r>
+              <a:rPr lang="en-US" sz="1800" dirty="0" smtClean="0">
+                <a:latin typeface="Courier"/>
+                <a:cs typeface="Courier"/>
+              </a:rPr>
+              <a:t> </a:t>
+            </a:r>
+            <a:r>
+              <a:rPr lang="en-US" sz="1800" dirty="0" smtClean="0">
+                <a:latin typeface="Courier"/>
+                <a:cs typeface="Courier"/>
+              </a:rPr>
+              <a:t>$</a:t>
+            </a:r>
+            <a:r>
+              <a:rPr lang="en-US" sz="1800" dirty="0">
+                <a:latin typeface="Courier"/>
+                <a:cs typeface="Courier"/>
+              </a:rPr>
+              <a:t>bam $</a:t>
+            </a:r>
+            <a:r>
+              <a:rPr lang="en-US" sz="1800" dirty="0" err="1">
+                <a:latin typeface="Courier"/>
+                <a:cs typeface="Courier"/>
+              </a:rPr>
+              <a:t>gtf</a:t>
+            </a:r>
+            <a:r>
+              <a:rPr lang="en-US" sz="1800" dirty="0">
+                <a:latin typeface="Courier"/>
+                <a:cs typeface="Courier"/>
+              </a:rPr>
+              <a:t> &gt; </a:t>
+            </a:r>
+            <a:r>
+              <a:rPr lang="en-US" sz="1800" dirty="0" err="1">
+                <a:latin typeface="Courier"/>
+                <a:cs typeface="Courier"/>
+              </a:rPr>
+              <a:t>pe.counts</a:t>
+            </a:r>
+            <a:endParaRPr lang="en-US" sz="1800" dirty="0">
+              <a:latin typeface="Courier"/>
+              <a:cs typeface="Courier"/>
+            </a:endParaRPr>
           </a:p>
         </p:txBody>
       </p:sp>
     </p:spTree>
     <p:extLst>
       <p:ext uri="{BB962C8B-B14F-4D97-AF65-F5344CB8AC3E}">
-        <p14:creationId xmlns:p14="http://schemas.microsoft.com/office/powerpoint/2010/main" val="973508830"/>
+        <p14:creationId xmlns:p14="http://schemas.microsoft.com/office/powerpoint/2010/main" val="3228251462"/>
       </p:ext>
     </p:extLst>
   </p:cSld>
@@ -6827,7 +7004,7 @@
             </a:r>
             <a:r>
               <a:rPr lang="en-US" sz="3200" dirty="0" err="1" smtClean="0"/>
-              <a:t>gsnap</a:t>
+              <a:t>aln</a:t>
             </a:r>
             <a:endParaRPr lang="en-US" sz="3200" dirty="0" smtClean="0"/>
           </a:p>
@@ -6837,29 +7014,11 @@
             </a:pPr>
             <a:r>
               <a:rPr lang="en-US" sz="3200" dirty="0" smtClean="0"/>
-              <a:t>------</a:t>
-            </a:r>
-            <a:r>
-              <a:rPr lang="en-US" sz="3200" dirty="0"/>
-              <a:t>--------</a:t>
+              <a:t>-</a:t>
             </a:r>
             <a:r>
               <a:rPr lang="en-US" sz="3200" dirty="0" smtClean="0"/>
-              <a:t> </a:t>
-            </a:r>
-            <a:r>
-              <a:rPr lang="en-US" sz="3200" dirty="0" err="1" smtClean="0"/>
-              <a:t>readcounts</a:t>
-            </a:r>
-            <a:endParaRPr lang="en-US" sz="3200" dirty="0" smtClean="0"/>
-          </a:p>
-          <a:p>
-            <a:pPr marL="0" indent="0">
-              <a:buNone/>
-            </a:pPr>
-            <a:r>
-              <a:rPr lang="en-US" sz="3200" dirty="0" smtClean="0"/>
-              <a:t>------</a:t>
+              <a:t>-----</a:t>
             </a:r>
             <a:r>
               <a:rPr lang="en-US" sz="3200" dirty="0"/>
@@ -7363,14 +7522,7 @@
                 <a:latin typeface="Courier"/>
                 <a:cs typeface="Courier"/>
               </a:rPr>
-              <a:t>  </a:t>
-            </a:r>
-            <a:r>
-              <a:rPr lang="en-US" sz="2000" dirty="0" smtClean="0">
-                <a:latin typeface="Courier"/>
-                <a:cs typeface="Courier"/>
-              </a:rPr>
-              <a:t>-</a:t>
+              <a:t>  -</a:t>
             </a:r>
             <a:r>
               <a:rPr lang="en-US" sz="2000" dirty="0">
@@ -8054,14 +8206,7 @@
                 <a:latin typeface="Courier"/>
                 <a:cs typeface="Courier"/>
               </a:rPr>
-              <a:t> </a:t>
-            </a:r>
-            <a:r>
-              <a:rPr lang="en-US" sz="1600" dirty="0">
-                <a:latin typeface="Courier"/>
-                <a:cs typeface="Courier"/>
-              </a:rPr>
-              <a:t>-D $</a:t>
+              <a:t> -D $</a:t>
             </a:r>
             <a:r>
               <a:rPr lang="en-US" sz="1600" dirty="0" err="1" smtClean="0">
@@ -8757,7 +8902,7 @@
             </a:r>
             <a:r>
               <a:rPr lang="en-US" dirty="0" smtClean="0"/>
-              <a:t> – Single-end reads</a:t>
+              <a:t> Installation</a:t>
             </a:r>
             <a:endParaRPr lang="en-US" dirty="0"/>
           </a:p>
@@ -8773,12 +8918,7 @@
             <p:ph idx="1"/>
           </p:nvPr>
         </p:nvSpPr>
-        <p:spPr>
-          <a:xfrm>
-            <a:off x="522853" y="1480358"/>
-            <a:ext cx="8163947" cy="3998938"/>
-          </a:xfrm>
-        </p:spPr>
+        <p:spPr/>
         <p:txBody>
           <a:bodyPr>
             <a:normAutofit/>
@@ -8789,338 +8929,207 @@
               <a:buNone/>
             </a:pPr>
             <a:r>
-              <a:rPr lang="en-US" sz="1800" dirty="0" smtClean="0">
-                <a:latin typeface="Courier"/>
-                <a:cs typeface="Courier"/>
-              </a:rPr>
-              <a:t>### </a:t>
-            </a:r>
-            <a:r>
-              <a:rPr lang="en-US" sz="1800" dirty="0" err="1" smtClean="0">
-                <a:latin typeface="Courier"/>
-                <a:cs typeface="Courier"/>
-              </a:rPr>
-              <a:t>gtf</a:t>
-            </a:r>
-            <a:r>
-              <a:rPr lang="en-US" sz="1800" dirty="0" smtClean="0">
-                <a:latin typeface="Courier"/>
-                <a:cs typeface="Courier"/>
-              </a:rPr>
-              <a:t> file:</a:t>
-            </a:r>
-          </a:p>
-          <a:p>
-            <a:pPr marL="0" indent="0">
-              <a:buNone/>
-            </a:pPr>
-            <a:r>
-              <a:rPr lang="en-US" sz="1200" dirty="0" err="1">
-                <a:latin typeface="Courier"/>
-                <a:cs typeface="Courier"/>
-              </a:rPr>
-              <a:t>gtf</a:t>
-            </a:r>
-            <a:r>
-              <a:rPr lang="en-US" sz="1200" dirty="0">
-                <a:latin typeface="Courier"/>
-                <a:cs typeface="Courier"/>
-              </a:rPr>
-              <a:t>=/homes/liu3zhen/teaching/BA17/Lab12_DE/</a:t>
-            </a:r>
-            <a:r>
-              <a:rPr lang="en-US" sz="1200" dirty="0" err="1" smtClean="0">
-                <a:latin typeface="Courier"/>
-                <a:cs typeface="Courier"/>
-              </a:rPr>
-              <a:t>gtf</a:t>
-            </a:r>
-            <a:r>
-              <a:rPr lang="en-US" sz="1200" dirty="0" smtClean="0">
-                <a:latin typeface="Courier"/>
-                <a:cs typeface="Courier"/>
-              </a:rPr>
-              <a:t>/ZmB73_5b_FGS.standard.gtf</a:t>
-            </a:r>
-            <a:endParaRPr lang="en-US" sz="1200" dirty="0">
-              <a:latin typeface="Courier"/>
-              <a:cs typeface="Courier"/>
-            </a:endParaRPr>
-          </a:p>
-          <a:p>
-            <a:pPr marL="0" indent="0">
-              <a:buNone/>
-            </a:pPr>
-            <a:endParaRPr lang="en-US" sz="1800" dirty="0">
-              <a:latin typeface="Courier"/>
-              <a:cs typeface="Courier"/>
-            </a:endParaRPr>
-          </a:p>
-          <a:p>
-            <a:pPr marL="0" indent="0">
-              <a:buNone/>
-            </a:pPr>
-            <a:r>
-              <a:rPr lang="en-US" sz="1800" dirty="0">
-                <a:latin typeface="Courier"/>
-                <a:cs typeface="Courier"/>
-              </a:rPr>
-              <a:t>### BAM data</a:t>
-            </a:r>
-          </a:p>
-          <a:p>
-            <a:pPr marL="0" indent="0">
-              <a:buNone/>
-            </a:pPr>
-            <a:r>
-              <a:rPr lang="en-US" sz="1200" dirty="0">
-                <a:latin typeface="Courier"/>
-                <a:cs typeface="Courier"/>
-              </a:rPr>
-              <a:t>bam=/homes/liu3zhen/teaching/BA17/Lab12_DE/</a:t>
-            </a:r>
-            <a:r>
-              <a:rPr lang="en-US" sz="1200" dirty="0" err="1">
-                <a:latin typeface="Courier"/>
-                <a:cs typeface="Courier"/>
-              </a:rPr>
-              <a:t>aln</a:t>
-            </a:r>
-            <a:r>
-              <a:rPr lang="en-US" sz="1200" dirty="0">
-                <a:latin typeface="Courier"/>
-                <a:cs typeface="Courier"/>
-              </a:rPr>
-              <a:t>/</a:t>
-            </a:r>
-            <a:r>
-              <a:rPr lang="en-US" sz="1200" dirty="0" err="1" smtClean="0">
-                <a:latin typeface="Courier"/>
-                <a:cs typeface="Courier"/>
-              </a:rPr>
-              <a:t>se.bam</a:t>
-            </a:r>
-            <a:endParaRPr lang="en-US" sz="1200" dirty="0">
-              <a:latin typeface="Courier"/>
-              <a:cs typeface="Courier"/>
-            </a:endParaRPr>
-          </a:p>
-          <a:p>
-            <a:pPr marL="0" indent="0">
-              <a:buNone/>
-            </a:pPr>
-            <a:endParaRPr lang="en-US" sz="1800" dirty="0" smtClean="0">
-              <a:latin typeface="Courier"/>
-              <a:cs typeface="Courier"/>
-            </a:endParaRPr>
-          </a:p>
-          <a:p>
-            <a:pPr marL="0" indent="0">
-              <a:buNone/>
-            </a:pPr>
-            <a:r>
-              <a:rPr lang="en-US" sz="1800" dirty="0" smtClean="0">
-                <a:latin typeface="Courier"/>
-                <a:cs typeface="Courier"/>
-              </a:rPr>
-              <a:t>### counting</a:t>
-            </a:r>
-            <a:endParaRPr lang="en-US" sz="1800" dirty="0">
-              <a:latin typeface="Courier"/>
-              <a:cs typeface="Courier"/>
-            </a:endParaRPr>
-          </a:p>
-          <a:p>
-            <a:pPr marL="0" indent="0">
-              <a:buNone/>
-            </a:pPr>
-            <a:r>
-              <a:rPr lang="en-US" sz="1800" dirty="0">
-                <a:latin typeface="Courier"/>
-                <a:cs typeface="Courier"/>
-              </a:rPr>
-              <a:t>/homes/liu3zhen/software/bin/</a:t>
-            </a:r>
-            <a:r>
-              <a:rPr lang="en-US" sz="1800" dirty="0" err="1">
-                <a:latin typeface="Courier"/>
-                <a:cs typeface="Courier"/>
-              </a:rPr>
-              <a:t>htseq</a:t>
-            </a:r>
-            <a:r>
-              <a:rPr lang="en-US" sz="1800" dirty="0">
-                <a:latin typeface="Courier"/>
-                <a:cs typeface="Courier"/>
-              </a:rPr>
-              <a:t>-count </a:t>
-            </a:r>
-            <a:r>
-              <a:rPr lang="en-US" sz="1800" dirty="0" smtClean="0">
-                <a:latin typeface="Courier"/>
-                <a:cs typeface="Courier"/>
-              </a:rPr>
-              <a:t>\</a:t>
-            </a:r>
-          </a:p>
-          <a:p>
-            <a:pPr marL="0" indent="0">
-              <a:buNone/>
-            </a:pPr>
-            <a:r>
-              <a:rPr lang="en-US" sz="1800" dirty="0">
-                <a:latin typeface="Courier"/>
-                <a:cs typeface="Courier"/>
-              </a:rPr>
+              <a:rPr lang="en-US" sz="1800" dirty="0"/>
+              <a:t>pip2.7 install --user </a:t>
+            </a:r>
+            <a:r>
+              <a:rPr lang="en-US" sz="1800" dirty="0" err="1"/>
+              <a:t>numpy</a:t>
+            </a:r>
+            <a:endParaRPr lang="en-US" sz="1800" dirty="0"/>
+          </a:p>
+          <a:p>
+            <a:pPr marL="0" indent="0">
+              <a:buNone/>
+            </a:pPr>
+            <a:r>
+              <a:rPr lang="en-US" sz="1800" dirty="0"/>
+              <a:t>pip2.7 install --user </a:t>
+            </a:r>
+            <a:r>
+              <a:rPr lang="en-US" sz="1800" dirty="0" err="1"/>
+              <a:t>PySam</a:t>
+            </a:r>
+            <a:endParaRPr lang="en-US" sz="1800" dirty="0"/>
+          </a:p>
+          <a:p>
+            <a:pPr marL="0" indent="0">
+              <a:buNone/>
+            </a:pPr>
+            <a:r>
+              <a:rPr lang="en-US" sz="1800" dirty="0"/>
+              <a:t>cd ~</a:t>
+            </a:r>
+          </a:p>
+          <a:p>
+            <a:pPr marL="0" indent="0">
+              <a:buNone/>
+            </a:pPr>
+            <a:r>
+              <a:rPr lang="en-US" sz="1800" dirty="0" err="1"/>
+              <a:t>mkdir</a:t>
+            </a:r>
+            <a:r>
+              <a:rPr lang="en-US" sz="1800" dirty="0"/>
               <a:t> </a:t>
             </a:r>
             <a:r>
-              <a:rPr lang="en-US" sz="1800" dirty="0" smtClean="0">
-                <a:latin typeface="Courier"/>
-                <a:cs typeface="Courier"/>
-              </a:rPr>
+              <a:rPr lang="en-US" sz="1800" dirty="0" smtClean="0"/>
+              <a:t>software</a:t>
+            </a:r>
+            <a:endParaRPr lang="en-US" sz="1800" dirty="0"/>
+          </a:p>
+          <a:p>
+            <a:pPr marL="0" indent="0">
+              <a:buNone/>
+            </a:pPr>
+            <a:r>
+              <a:rPr lang="en-US" sz="1800" dirty="0"/>
+              <a:t>cd </a:t>
+            </a:r>
+            <a:r>
+              <a:rPr lang="en-US" sz="1800" dirty="0" smtClean="0"/>
+              <a:t>software</a:t>
+            </a:r>
+            <a:endParaRPr lang="en-US" sz="1800" dirty="0"/>
+          </a:p>
+          <a:p>
+            <a:pPr marL="0" indent="0">
+              <a:buNone/>
+            </a:pPr>
+            <a:r>
+              <a:rPr lang="en-US" sz="1800" dirty="0" err="1"/>
+              <a:t>mkdir</a:t>
+            </a:r>
+            <a:r>
+              <a:rPr lang="en-US" sz="1800" dirty="0"/>
               <a:t> </a:t>
             </a:r>
             <a:r>
-              <a:rPr lang="en-US" sz="1800" dirty="0" smtClean="0">
-                <a:latin typeface="Courier"/>
-                <a:cs typeface="Courier"/>
-              </a:rPr>
-              <a:t>-</a:t>
-            </a:r>
-            <a:r>
-              <a:rPr lang="en-US" sz="1800" dirty="0">
-                <a:latin typeface="Courier"/>
-                <a:cs typeface="Courier"/>
-              </a:rPr>
-              <a:t>-stranded=no --type=exon </a:t>
-            </a:r>
-            <a:r>
-              <a:rPr lang="en-US" sz="1800" dirty="0" smtClean="0">
-                <a:latin typeface="Courier"/>
-                <a:cs typeface="Courier"/>
-              </a:rPr>
-              <a:t>\</a:t>
-            </a:r>
-          </a:p>
-          <a:p>
-            <a:pPr marL="0" indent="0">
-              <a:buNone/>
-            </a:pPr>
-            <a:r>
-              <a:rPr lang="en-US" sz="1800" dirty="0">
-                <a:latin typeface="Courier"/>
-                <a:cs typeface="Courier"/>
-              </a:rPr>
-              <a:t> </a:t>
-            </a:r>
-            <a:r>
-              <a:rPr lang="en-US" sz="1800" dirty="0" smtClean="0">
-                <a:latin typeface="Courier"/>
-                <a:cs typeface="Courier"/>
-              </a:rPr>
-              <a:t> </a:t>
-            </a:r>
-            <a:r>
-              <a:rPr lang="en-US" sz="1800" dirty="0" smtClean="0">
-                <a:latin typeface="Courier"/>
-                <a:cs typeface="Courier"/>
-              </a:rPr>
-              <a:t>-</a:t>
-            </a:r>
-            <a:r>
-              <a:rPr lang="en-US" sz="1800" dirty="0">
-                <a:latin typeface="Courier"/>
-                <a:cs typeface="Courier"/>
-              </a:rPr>
-              <a:t>-format=bam --</a:t>
-            </a:r>
-            <a:r>
-              <a:rPr lang="en-US" sz="1800" dirty="0" err="1">
-                <a:latin typeface="Courier"/>
-                <a:cs typeface="Courier"/>
-              </a:rPr>
-              <a:t>minaqual</a:t>
-            </a:r>
-            <a:r>
-              <a:rPr lang="en-US" sz="1800" dirty="0">
-                <a:latin typeface="Courier"/>
-                <a:cs typeface="Courier"/>
-              </a:rPr>
-              <a:t>=30 </a:t>
-            </a:r>
-            <a:r>
-              <a:rPr lang="en-US" sz="1800" dirty="0" smtClean="0">
-                <a:latin typeface="Courier"/>
-                <a:cs typeface="Courier"/>
-              </a:rPr>
-              <a:t>\</a:t>
-            </a:r>
-          </a:p>
-          <a:p>
-            <a:pPr marL="0" indent="0">
-              <a:buNone/>
-            </a:pPr>
-            <a:r>
-              <a:rPr lang="en-US" sz="1800" dirty="0">
-                <a:latin typeface="Courier"/>
-                <a:cs typeface="Courier"/>
-              </a:rPr>
-              <a:t> </a:t>
-            </a:r>
-            <a:r>
-              <a:rPr lang="en-US" sz="1800" dirty="0" smtClean="0">
-                <a:latin typeface="Courier"/>
-                <a:cs typeface="Courier"/>
-              </a:rPr>
-              <a:t> </a:t>
-            </a:r>
-            <a:r>
-              <a:rPr lang="en-US" sz="1800" dirty="0" smtClean="0">
-                <a:latin typeface="Courier"/>
-                <a:cs typeface="Courier"/>
-              </a:rPr>
-              <a:t>-</a:t>
-            </a:r>
-            <a:r>
-              <a:rPr lang="en-US" sz="1800" dirty="0">
-                <a:latin typeface="Courier"/>
-                <a:cs typeface="Courier"/>
-              </a:rPr>
-              <a:t>-mode=union $bam $</a:t>
-            </a:r>
-            <a:r>
-              <a:rPr lang="en-US" sz="1800" dirty="0" err="1">
-                <a:latin typeface="Courier"/>
-                <a:cs typeface="Courier"/>
-              </a:rPr>
-              <a:t>gtf</a:t>
-            </a:r>
-            <a:r>
-              <a:rPr lang="en-US" sz="1800" dirty="0">
-                <a:latin typeface="Courier"/>
-                <a:cs typeface="Courier"/>
-              </a:rPr>
-              <a:t> &gt; </a:t>
-            </a:r>
-            <a:r>
-              <a:rPr lang="en-US" sz="1800" dirty="0" err="1">
-                <a:latin typeface="Courier"/>
-                <a:cs typeface="Courier"/>
-              </a:rPr>
-              <a:t>se.counts</a:t>
-            </a:r>
-            <a:endParaRPr lang="en-US" sz="1800" dirty="0">
-              <a:latin typeface="Courier"/>
-              <a:cs typeface="Courier"/>
-            </a:endParaRPr>
+              <a:rPr lang="en-US" sz="1800" dirty="0" err="1" smtClean="0"/>
+              <a:t>HTSeq</a:t>
+            </a:r>
+            <a:endParaRPr lang="en-US" sz="1800" dirty="0" smtClean="0"/>
+          </a:p>
+          <a:p>
+            <a:pPr marL="0" indent="0">
+              <a:buNone/>
+            </a:pPr>
+            <a:r>
+              <a:rPr lang="en-US" sz="1800" dirty="0" smtClean="0"/>
+              <a:t>cd </a:t>
+            </a:r>
+            <a:r>
+              <a:rPr lang="en-US" sz="1800" dirty="0" err="1" smtClean="0"/>
+              <a:t>HTSeq</a:t>
+            </a:r>
+            <a:endParaRPr lang="en-US" sz="1800" dirty="0"/>
+          </a:p>
+          <a:p>
+            <a:pPr marL="0" indent="0">
+              <a:buNone/>
+            </a:pPr>
+            <a:r>
+              <a:rPr lang="en-US" sz="1800" dirty="0" err="1"/>
+              <a:t>wget</a:t>
+            </a:r>
+            <a:r>
+              <a:rPr lang="en-US" sz="1800" dirty="0"/>
+              <a:t> https://</a:t>
+            </a:r>
+            <a:r>
+              <a:rPr lang="en-US" sz="1800" dirty="0" err="1"/>
+              <a:t>pypi.python.org</a:t>
+            </a:r>
+            <a:r>
+              <a:rPr lang="en-US" sz="1800" dirty="0"/>
+              <a:t>/packages/source/H/</a:t>
+            </a:r>
+            <a:r>
+              <a:rPr lang="en-US" sz="1800" dirty="0" err="1"/>
+              <a:t>HTSeq</a:t>
+            </a:r>
+            <a:r>
+              <a:rPr lang="en-US" sz="1800" dirty="0"/>
+              <a:t>/HTSeq-0.6.1p1.tar.gz</a:t>
+            </a:r>
+          </a:p>
+          <a:p>
+            <a:pPr marL="0" indent="0">
+              <a:buNone/>
+            </a:pPr>
+            <a:r>
+              <a:rPr lang="en-US" sz="1800" dirty="0"/>
+              <a:t>tar -</a:t>
+            </a:r>
+            <a:r>
+              <a:rPr lang="en-US" sz="1800" dirty="0" err="1"/>
+              <a:t>xf</a:t>
+            </a:r>
+            <a:r>
+              <a:rPr lang="en-US" sz="1800" dirty="0"/>
+              <a:t> HTSeq-0.6.1p1.tar.gz</a:t>
+            </a:r>
+          </a:p>
+          <a:p>
+            <a:pPr marL="0" indent="0">
+              <a:buNone/>
+            </a:pPr>
+            <a:r>
+              <a:rPr lang="en-US" sz="1800" dirty="0"/>
+              <a:t>cd HTSeq-0.6.1p1</a:t>
+            </a:r>
+          </a:p>
+          <a:p>
+            <a:pPr marL="0" indent="0">
+              <a:buNone/>
+            </a:pPr>
+            <a:r>
+              <a:rPr lang="en-US" sz="1800" dirty="0"/>
+              <a:t>python2.7 </a:t>
+            </a:r>
+            <a:r>
+              <a:rPr lang="en-US" sz="1800" dirty="0" err="1"/>
+              <a:t>setup.py</a:t>
+            </a:r>
+            <a:r>
+              <a:rPr lang="en-US" sz="1800" dirty="0"/>
+              <a:t> install --user</a:t>
+            </a:r>
+          </a:p>
+          <a:p>
+            <a:pPr marL="0" indent="0">
+              <a:buNone/>
+            </a:pPr>
+            <a:r>
+              <a:rPr lang="en-US" sz="1800" dirty="0"/>
+              <a:t>export PATH=$PATH:~/</a:t>
+            </a:r>
+            <a:r>
+              <a:rPr lang="en-US" sz="1800" dirty="0" smtClean="0"/>
+              <a:t>software/</a:t>
+            </a:r>
+            <a:r>
+              <a:rPr lang="en-US" sz="1800" dirty="0" err="1"/>
+              <a:t>HTSeq</a:t>
+            </a:r>
+            <a:r>
+              <a:rPr lang="en-US" sz="1800" dirty="0"/>
+              <a:t>/HTSeq-0.6.1p1/build/scripts-2.7 </a:t>
+            </a:r>
+          </a:p>
+          <a:p>
+            <a:pPr marL="0" indent="0">
+              <a:buNone/>
+            </a:pPr>
+            <a:endParaRPr lang="en-US" sz="1800" dirty="0"/>
           </a:p>
         </p:txBody>
       </p:sp>
     </p:spTree>
     <p:extLst>
       <p:ext uri="{BB962C8B-B14F-4D97-AF65-F5344CB8AC3E}">
-        <p14:creationId xmlns:p14="http://schemas.microsoft.com/office/powerpoint/2010/main" val="2495572671"/>
+        <p14:creationId xmlns:p14="http://schemas.microsoft.com/office/powerpoint/2010/main" val="973508830"/>
       </p:ext>
     </p:extLst>
   </p:cSld>
@@ -9175,7 +9184,7 @@
             </a:r>
             <a:r>
               <a:rPr lang="en-US" dirty="0" smtClean="0"/>
-              <a:t> – Paired-end reads</a:t>
+              <a:t> – Single-end reads</a:t>
             </a:r>
             <a:endParaRPr lang="en-US" dirty="0"/>
           </a:p>
@@ -9193,8 +9202,8 @@
         </p:nvSpPr>
         <p:spPr>
           <a:xfrm>
-            <a:off x="380811" y="1480358"/>
-            <a:ext cx="8585346" cy="3790252"/>
+            <a:off x="522853" y="1480358"/>
+            <a:ext cx="8163947" cy="3998938"/>
           </a:xfrm>
         </p:spPr>
         <p:txBody>
@@ -9233,6 +9242,20 @@
               <a:buNone/>
             </a:pPr>
             <a:r>
+              <a:rPr lang="en-US" sz="1200" dirty="0" err="1">
+                <a:latin typeface="Courier"/>
+                <a:cs typeface="Courier"/>
+              </a:rPr>
+              <a:t>gtf</a:t>
+            </a:r>
+            <a:r>
+              <a:rPr lang="en-US" sz="1200" dirty="0">
+                <a:latin typeface="Courier"/>
+                <a:cs typeface="Courier"/>
+              </a:rPr>
+              <a:t>=/homes/liu3zhen/teaching/BA17/Lab12_DE/</a:t>
+            </a:r>
+            <a:r>
               <a:rPr lang="en-US" sz="1200" dirty="0" err="1" smtClean="0">
                 <a:latin typeface="Courier"/>
                 <a:cs typeface="Courier"/>
@@ -9240,27 +9263,93 @@
               <a:t>gtf</a:t>
             </a:r>
             <a:r>
+              <a:rPr lang="en-US" sz="1200" dirty="0" smtClean="0">
+                <a:latin typeface="Courier"/>
+                <a:cs typeface="Courier"/>
+              </a:rPr>
+              <a:t>/ZmB73_5b_FGS.standard.gtf</a:t>
+            </a:r>
+            <a:endParaRPr lang="en-US" sz="1200" dirty="0">
+              <a:latin typeface="Courier"/>
+              <a:cs typeface="Courier"/>
+            </a:endParaRPr>
+          </a:p>
+          <a:p>
+            <a:pPr marL="0" indent="0">
+              <a:buNone/>
+            </a:pPr>
+            <a:endParaRPr lang="en-US" sz="1800" dirty="0">
+              <a:latin typeface="Courier"/>
+              <a:cs typeface="Courier"/>
+            </a:endParaRPr>
+          </a:p>
+          <a:p>
+            <a:pPr marL="0" indent="0">
+              <a:buNone/>
+            </a:pPr>
+            <a:r>
+              <a:rPr lang="en-US" sz="1800" dirty="0">
+                <a:latin typeface="Courier"/>
+                <a:cs typeface="Courier"/>
+              </a:rPr>
+              <a:t>### BAM data</a:t>
+            </a:r>
+          </a:p>
+          <a:p>
+            <a:pPr marL="0" indent="0">
+              <a:buNone/>
+            </a:pPr>
+            <a:r>
               <a:rPr lang="en-US" sz="1200" dirty="0">
                 <a:latin typeface="Courier"/>
                 <a:cs typeface="Courier"/>
               </a:rPr>
-              <a:t>=/homes/liu3zhen/teaching/BA17/Lab12_DE/</a:t>
+              <a:t>bam=</a:t>
+            </a:r>
+            <a:r>
+              <a:rPr lang="en-US" sz="1200" dirty="0">
+                <a:solidFill>
+                  <a:schemeClr val="bg1">
+                    <a:lumMod val="85000"/>
+                  </a:schemeClr>
+                </a:solidFill>
+                <a:latin typeface="Courier"/>
+                <a:cs typeface="Courier"/>
+              </a:rPr>
+              <a:t>/homes/liu3zhen/teaching/BA17/Lab12_DE/</a:t>
             </a:r>
             <a:r>
               <a:rPr lang="en-US" sz="1200" dirty="0" err="1">
-                <a:latin typeface="Courier"/>
-                <a:cs typeface="Courier"/>
-              </a:rPr>
-              <a:t>gtf</a:t>
+                <a:solidFill>
+                  <a:schemeClr val="bg1">
+                    <a:lumMod val="85000"/>
+                  </a:schemeClr>
+                </a:solidFill>
+                <a:latin typeface="Courier"/>
+                <a:cs typeface="Courier"/>
+              </a:rPr>
+              <a:t>aln</a:t>
             </a:r>
             <a:r>
               <a:rPr lang="en-US" sz="1200" dirty="0">
-                <a:latin typeface="Courier"/>
-                <a:cs typeface="Courier"/>
-              </a:rPr>
-              <a:t>/ZmB73_5b_FGS.standard.gtf</a:t>
-            </a:r>
-            <a:endParaRPr lang="en-US" sz="1200" dirty="0" smtClean="0">
+                <a:solidFill>
+                  <a:schemeClr val="bg1">
+                    <a:lumMod val="85000"/>
+                  </a:schemeClr>
+                </a:solidFill>
+                <a:latin typeface="Courier"/>
+                <a:cs typeface="Courier"/>
+              </a:rPr>
+              <a:t>/</a:t>
+            </a:r>
+            <a:r>
+              <a:rPr lang="en-US" sz="1200" dirty="0" err="1" smtClean="0">
+                <a:latin typeface="Courier"/>
+                <a:cs typeface="Courier"/>
+              </a:rPr>
+              <a:t>se.bam</a:t>
+            </a:r>
+            <a:endParaRPr lang="en-US" sz="1200" dirty="0">
               <a:latin typeface="Courier"/>
               <a:cs typeface="Courier"/>
             </a:endParaRPr>
@@ -9283,7 +9372,7 @@
                 <a:latin typeface="Courier"/>
                 <a:cs typeface="Courier"/>
               </a:rPr>
-              <a:t>### BAM data</a:t>
+              <a:t>### counting</a:t>
             </a:r>
             <a:endParaRPr lang="en-US" sz="1800" dirty="0">
               <a:latin typeface="Courier"/>
@@ -9295,214 +9384,171 @@
               <a:buNone/>
             </a:pPr>
             <a:r>
-              <a:rPr lang="en-US" sz="1200" dirty="0">
-                <a:latin typeface="Courier"/>
-                <a:cs typeface="Courier"/>
-              </a:rPr>
-              <a:t>bam=/homes/liu3zhen/teaching/BA17/Lab12_DE/</a:t>
-            </a:r>
-            <a:r>
-              <a:rPr lang="en-US" sz="1200" dirty="0" err="1">
-                <a:latin typeface="Courier"/>
-                <a:cs typeface="Courier"/>
-              </a:rPr>
-              <a:t>aln</a:t>
-            </a:r>
-            <a:r>
-              <a:rPr lang="en-US" sz="1200" dirty="0">
-                <a:latin typeface="Courier"/>
-                <a:cs typeface="Courier"/>
-              </a:rPr>
-              <a:t>/</a:t>
-            </a:r>
-            <a:r>
-              <a:rPr lang="en-US" sz="1200" dirty="0" err="1">
-                <a:latin typeface="Courier"/>
-                <a:cs typeface="Courier"/>
-              </a:rPr>
-              <a:t>p</a:t>
-            </a:r>
-            <a:r>
-              <a:rPr lang="en-US" sz="1200" dirty="0" err="1" smtClean="0">
-                <a:latin typeface="Courier"/>
-                <a:cs typeface="Courier"/>
-              </a:rPr>
-              <a:t>e.bam</a:t>
-            </a:r>
-            <a:endParaRPr lang="en-US" sz="1200" dirty="0" smtClean="0">
-              <a:latin typeface="Courier"/>
-              <a:cs typeface="Courier"/>
-            </a:endParaRPr>
-          </a:p>
-          <a:p>
-            <a:pPr marL="0" indent="0">
-              <a:buNone/>
-            </a:pPr>
-            <a:endParaRPr lang="en-US" sz="1800" dirty="0" smtClean="0">
-              <a:latin typeface="Courier"/>
-              <a:cs typeface="Courier"/>
-            </a:endParaRPr>
-          </a:p>
-          <a:p>
-            <a:pPr marL="0" indent="0">
-              <a:buNone/>
-            </a:pPr>
+              <a:rPr lang="en-US" sz="1800" dirty="0">
+                <a:latin typeface="Courier"/>
+                <a:cs typeface="Courier"/>
+              </a:rPr>
+              <a:t>/homes/liu3zhen/software/bin/</a:t>
+            </a:r>
+            <a:r>
+              <a:rPr lang="en-US" sz="1800" dirty="0" err="1">
+                <a:latin typeface="Courier"/>
+                <a:cs typeface="Courier"/>
+              </a:rPr>
+              <a:t>htseq</a:t>
+            </a:r>
+            <a:r>
+              <a:rPr lang="en-US" sz="1800" dirty="0">
+                <a:latin typeface="Courier"/>
+                <a:cs typeface="Courier"/>
+              </a:rPr>
+              <a:t>-count </a:t>
+            </a:r>
             <a:r>
               <a:rPr lang="en-US" sz="1800" dirty="0" smtClean="0">
                 <a:latin typeface="Courier"/>
                 <a:cs typeface="Courier"/>
               </a:rPr>
-              <a:t>### counting</a:t>
+              <a:t>\</a:t>
+            </a:r>
+          </a:p>
+          <a:p>
+            <a:pPr marL="0" indent="0">
+              <a:buNone/>
+            </a:pPr>
+            <a:r>
+              <a:rPr lang="en-US" sz="1800" dirty="0">
+                <a:latin typeface="Courier"/>
+                <a:cs typeface="Courier"/>
+              </a:rPr>
+              <a:t> </a:t>
+            </a:r>
+            <a:r>
+              <a:rPr lang="en-US" sz="1800" dirty="0" smtClean="0">
+                <a:latin typeface="Courier"/>
+                <a:cs typeface="Courier"/>
+              </a:rPr>
+              <a:t> -</a:t>
+            </a:r>
+            <a:r>
+              <a:rPr lang="en-US" sz="1800" dirty="0">
+                <a:latin typeface="Courier"/>
+                <a:cs typeface="Courier"/>
+              </a:rPr>
+              <a:t>-stranded=no --type=exon </a:t>
+            </a:r>
+            <a:r>
+              <a:rPr lang="en-US" sz="1800" dirty="0" smtClean="0">
+                <a:latin typeface="Courier"/>
+                <a:cs typeface="Courier"/>
+              </a:rPr>
+              <a:t>\</a:t>
+            </a:r>
+          </a:p>
+          <a:p>
+            <a:pPr marL="0" indent="0">
+              <a:buNone/>
+            </a:pPr>
+            <a:r>
+              <a:rPr lang="en-US" sz="1800" dirty="0">
+                <a:latin typeface="Courier"/>
+                <a:cs typeface="Courier"/>
+              </a:rPr>
+              <a:t> </a:t>
+            </a:r>
+            <a:r>
+              <a:rPr lang="en-US" sz="1800" dirty="0" smtClean="0">
+                <a:latin typeface="Courier"/>
+                <a:cs typeface="Courier"/>
+              </a:rPr>
+              <a:t> -</a:t>
+            </a:r>
+            <a:r>
+              <a:rPr lang="en-US" sz="1800" dirty="0">
+                <a:latin typeface="Courier"/>
+                <a:cs typeface="Courier"/>
+              </a:rPr>
+              <a:t>-format=bam --</a:t>
+            </a:r>
+            <a:r>
+              <a:rPr lang="en-US" sz="1800" dirty="0" err="1">
+                <a:latin typeface="Courier"/>
+                <a:cs typeface="Courier"/>
+              </a:rPr>
+              <a:t>minaqual</a:t>
+            </a:r>
+            <a:r>
+              <a:rPr lang="en-US" sz="1800" dirty="0">
+                <a:latin typeface="Courier"/>
+                <a:cs typeface="Courier"/>
+              </a:rPr>
+              <a:t>=30 </a:t>
+            </a:r>
+            <a:r>
+              <a:rPr lang="en-US" sz="1800" dirty="0" smtClean="0">
+                <a:latin typeface="Courier"/>
+                <a:cs typeface="Courier"/>
+              </a:rPr>
+              <a:t>\</a:t>
+            </a:r>
+          </a:p>
+          <a:p>
+            <a:pPr marL="0" indent="0">
+              <a:buNone/>
+            </a:pPr>
+            <a:r>
+              <a:rPr lang="en-US" sz="1800" dirty="0">
+                <a:latin typeface="Courier"/>
+                <a:cs typeface="Courier"/>
+              </a:rPr>
+              <a:t> </a:t>
+            </a:r>
+            <a:r>
+              <a:rPr lang="en-US" sz="1800" dirty="0" smtClean="0">
+                <a:latin typeface="Courier"/>
+                <a:cs typeface="Courier"/>
+              </a:rPr>
+              <a:t> -</a:t>
+            </a:r>
+            <a:r>
+              <a:rPr lang="en-US" sz="1800" dirty="0">
+                <a:latin typeface="Courier"/>
+                <a:cs typeface="Courier"/>
+              </a:rPr>
+              <a:t>-mode=union $bam $</a:t>
+            </a:r>
+            <a:r>
+              <a:rPr lang="en-US" sz="1800" dirty="0" err="1">
+                <a:latin typeface="Courier"/>
+                <a:cs typeface="Courier"/>
+              </a:rPr>
+              <a:t>gtf</a:t>
+            </a:r>
+            <a:r>
+              <a:rPr lang="en-US" sz="1800" dirty="0">
+                <a:latin typeface="Courier"/>
+                <a:cs typeface="Courier"/>
+              </a:rPr>
+              <a:t> &gt; </a:t>
+            </a:r>
+            <a:r>
+              <a:rPr lang="en-US" sz="1800" dirty="0" err="1">
+                <a:latin typeface="Courier"/>
+                <a:cs typeface="Courier"/>
+              </a:rPr>
+              <a:t>se.counts</a:t>
             </a:r>
             <a:endParaRPr lang="en-US" sz="1800" dirty="0">
               <a:latin typeface="Courier"/>
               <a:cs typeface="Courier"/>
             </a:endParaRPr>
           </a:p>
-          <a:p>
-            <a:pPr marL="0" indent="0">
-              <a:buNone/>
-            </a:pPr>
-            <a:r>
-              <a:rPr lang="en-US" sz="1800" dirty="0" err="1">
-                <a:latin typeface="Courier"/>
-                <a:cs typeface="Courier"/>
-              </a:rPr>
-              <a:t>htseq</a:t>
-            </a:r>
-            <a:r>
-              <a:rPr lang="en-US" sz="1800" dirty="0">
-                <a:latin typeface="Courier"/>
-                <a:cs typeface="Courier"/>
-              </a:rPr>
-              <a:t>-count --stranded=no --type=exon --order=</a:t>
-            </a:r>
-            <a:r>
-              <a:rPr lang="en-US" sz="1800" dirty="0" err="1">
-                <a:latin typeface="Courier"/>
-                <a:cs typeface="Courier"/>
-              </a:rPr>
-              <a:t>pos</a:t>
-            </a:r>
-            <a:r>
-              <a:rPr lang="en-US" sz="1800" dirty="0">
-                <a:latin typeface="Courier"/>
-                <a:cs typeface="Courier"/>
-              </a:rPr>
-              <a:t> </a:t>
-            </a:r>
-            <a:r>
-              <a:rPr lang="en-US" sz="1800" dirty="0" smtClean="0">
-                <a:latin typeface="Courier"/>
-                <a:cs typeface="Courier"/>
-              </a:rPr>
-              <a:t>\</a:t>
-            </a:r>
-          </a:p>
-          <a:p>
-            <a:pPr marL="0" indent="0">
-              <a:buNone/>
-            </a:pPr>
-            <a:r>
-              <a:rPr lang="en-US" sz="1800" dirty="0">
-                <a:latin typeface="Courier"/>
-                <a:cs typeface="Courier"/>
-              </a:rPr>
-              <a:t>	</a:t>
-            </a:r>
-            <a:r>
-              <a:rPr lang="en-US" sz="1800" dirty="0" smtClean="0">
-                <a:latin typeface="Courier"/>
-                <a:cs typeface="Courier"/>
-              </a:rPr>
-              <a:t>		  -</a:t>
-            </a:r>
-            <a:r>
-              <a:rPr lang="en-US" sz="1800" dirty="0">
-                <a:latin typeface="Courier"/>
-                <a:cs typeface="Courier"/>
-              </a:rPr>
-              <a:t>-format=bam --</a:t>
-            </a:r>
-            <a:r>
-              <a:rPr lang="en-US" sz="1800" dirty="0" err="1">
-                <a:latin typeface="Courier"/>
-                <a:cs typeface="Courier"/>
-              </a:rPr>
-              <a:t>minaqual</a:t>
-            </a:r>
-            <a:r>
-              <a:rPr lang="en-US" sz="1800" dirty="0">
-                <a:latin typeface="Courier"/>
-                <a:cs typeface="Courier"/>
-              </a:rPr>
-              <a:t>=30 --mode=</a:t>
-            </a:r>
-            <a:r>
-              <a:rPr lang="en-US" sz="1800" dirty="0" smtClean="0">
-                <a:latin typeface="Courier"/>
-                <a:cs typeface="Courier"/>
-              </a:rPr>
-              <a:t>union \</a:t>
-            </a:r>
-          </a:p>
-          <a:p>
-            <a:pPr marL="0" indent="0">
-              <a:buNone/>
-            </a:pPr>
-            <a:r>
-              <a:rPr lang="en-US" sz="1800" dirty="0">
-                <a:latin typeface="Courier"/>
-                <a:cs typeface="Courier"/>
-              </a:rPr>
-              <a:t> </a:t>
-            </a:r>
-            <a:r>
-              <a:rPr lang="en-US" sz="1800" dirty="0" smtClean="0">
-                <a:latin typeface="Courier"/>
-                <a:cs typeface="Courier"/>
-              </a:rPr>
-              <a:t>           $</a:t>
-            </a:r>
-            <a:r>
-              <a:rPr lang="en-US" sz="1800" dirty="0">
-                <a:latin typeface="Courier"/>
-                <a:cs typeface="Courier"/>
-              </a:rPr>
-              <a:t>bam $</a:t>
-            </a:r>
-            <a:r>
-              <a:rPr lang="en-US" sz="1800" dirty="0" err="1">
-                <a:latin typeface="Courier"/>
-                <a:cs typeface="Courier"/>
-              </a:rPr>
-              <a:t>gtf</a:t>
-            </a:r>
-            <a:r>
-              <a:rPr lang="en-US" sz="1800" dirty="0">
-                <a:latin typeface="Courier"/>
-                <a:cs typeface="Courier"/>
-              </a:rPr>
-              <a:t> &gt; </a:t>
-            </a:r>
-            <a:r>
-              <a:rPr lang="en-US" sz="1800" dirty="0" err="1">
-                <a:latin typeface="Courier"/>
-                <a:cs typeface="Courier"/>
-              </a:rPr>
-              <a:t>pe.counts</a:t>
-            </a:r>
-            <a:endParaRPr lang="en-US" sz="1800" dirty="0">
-              <a:latin typeface="Courier"/>
-              <a:cs typeface="Courier"/>
-            </a:endParaRPr>
-          </a:p>
         </p:txBody>
       </p:sp>
     </p:spTree>
     <p:extLst>
       <p:ext uri="{BB962C8B-B14F-4D97-AF65-F5344CB8AC3E}">
-        <p14:creationId xmlns:p14="http://schemas.microsoft.com/office/powerpoint/2010/main" val="3228251462"/>
+        <p14:creationId xmlns:p14="http://schemas.microsoft.com/office/powerpoint/2010/main" val="2495572671"/>
       </p:ext>
     </p:extLst>
   </p:cSld>

--- a/labs/lab12_DE.pptx
+++ b/labs/lab12_DE.pptx
@@ -6944,14 +6944,16 @@
         </p:nvSpPr>
         <p:spPr/>
         <p:txBody>
-          <a:bodyPr/>
+          <a:bodyPr>
+            <a:normAutofit/>
+          </a:bodyPr>
           <a:lstStyle/>
           <a:p>
             <a:r>
-              <a:rPr lang="en-US" dirty="0" smtClean="0"/>
+              <a:rPr lang="en-US" sz="3200" dirty="0" smtClean="0"/>
               <a:t>Working directories</a:t>
             </a:r>
-            <a:endParaRPr lang="en-US" dirty="0"/>
+            <a:endParaRPr lang="en-US" sz="3200" dirty="0"/>
           </a:p>
         </p:txBody>
       </p:sp>
@@ -7104,8 +7106,8 @@
         </p:nvSpPr>
         <p:spPr>
           <a:xfrm>
-            <a:off x="1461432" y="2307226"/>
-            <a:ext cx="6015140" cy="1111032"/>
+            <a:off x="542824" y="2235881"/>
+            <a:ext cx="7991100" cy="2472862"/>
           </a:xfrm>
         </p:spPr>
         <p:txBody>
@@ -7130,25 +7132,58 @@
               <a:buNone/>
             </a:pPr>
             <a:r>
-              <a:rPr lang="en-US" dirty="0" err="1" smtClean="0">
+              <a:rPr lang="en-US" dirty="0">
+                <a:latin typeface="Courier"/>
+                <a:cs typeface="Courier"/>
+              </a:rPr>
+              <a:t>/homes/liu3zhen/software/bin/</a:t>
+            </a:r>
+            <a:r>
+              <a:rPr lang="en-US" dirty="0" err="1">
                 <a:latin typeface="Courier"/>
                 <a:cs typeface="Courier"/>
               </a:rPr>
               <a:t>gmap_build</a:t>
             </a:r>
             <a:r>
+              <a:rPr lang="en-US" dirty="0">
+                <a:latin typeface="Courier"/>
+                <a:cs typeface="Courier"/>
+              </a:rPr>
+              <a:t> </a:t>
+            </a:r>
+            <a:r>
               <a:rPr lang="en-US" dirty="0" smtClean="0">
                 <a:latin typeface="Courier"/>
                 <a:cs typeface="Courier"/>
               </a:rPr>
+              <a:t>\</a:t>
+            </a:r>
+          </a:p>
+          <a:p>
+            <a:pPr marL="0" indent="0">
+              <a:buNone/>
+            </a:pPr>
+            <a:r>
+              <a:rPr lang="en-US" dirty="0">
+                <a:latin typeface="Courier"/>
+                <a:cs typeface="Courier"/>
+              </a:rPr>
               <a:t> </a:t>
             </a:r>
             <a:r>
+              <a:rPr lang="en-US" dirty="0" smtClean="0">
+                <a:latin typeface="Courier"/>
+                <a:cs typeface="Courier"/>
+              </a:rPr>
+              <a:t> -</a:t>
+            </a:r>
+            <a:r>
               <a:rPr lang="en-US" dirty="0">
                 <a:latin typeface="Courier"/>
                 <a:cs typeface="Courier"/>
               </a:rPr>
-              <a:t>-D . -d ref </a:t>
+              <a:t>D . -d ref </a:t>
             </a:r>
             <a:r>
               <a:rPr lang="en-US" dirty="0" err="1" smtClean="0">

--- a/labs/lab12_DE.pptx
+++ b/labs/lab12_DE.pptx
@@ -4129,6 +4129,27 @@
                 <a:latin typeface="Courier"/>
                 <a:cs typeface="Courier"/>
               </a:rPr>
+              <a:t> -</a:t>
+            </a:r>
+            <a:r>
+              <a:rPr lang="en-US" sz="1800" dirty="0">
+                <a:latin typeface="Courier"/>
+                <a:cs typeface="Courier"/>
+              </a:rPr>
+              <a:t>-stranded=no --type=exon --order=</a:t>
+            </a:r>
+            <a:r>
+              <a:rPr lang="en-US" sz="1800" dirty="0" err="1">
+                <a:latin typeface="Courier"/>
+                <a:cs typeface="Courier"/>
+              </a:rPr>
+              <a:t>pos</a:t>
+            </a:r>
+            <a:r>
+              <a:rPr lang="en-US" sz="1800" dirty="0">
+                <a:latin typeface="Courier"/>
+                <a:cs typeface="Courier"/>
+              </a:rPr>
               <a:t> </a:t>
             </a:r>
             <a:r>
@@ -4136,27 +4157,65 @@
                 <a:latin typeface="Courier"/>
                 <a:cs typeface="Courier"/>
               </a:rPr>
-              <a:t>-</a:t>
-            </a:r>
+              <a:t>\</a:t>
+            </a:r>
+          </a:p>
+          <a:p>
+            <a:pPr marL="0" indent="0">
+              <a:buNone/>
+            </a:pPr>
             <a:r>
               <a:rPr lang="en-US" sz="1800" dirty="0">
                 <a:latin typeface="Courier"/>
                 <a:cs typeface="Courier"/>
               </a:rPr>
-              <a:t>-stranded=no --type=exon --order=</a:t>
+              <a:t> </a:t>
+            </a:r>
+            <a:r>
+              <a:rPr lang="en-US" sz="1800" dirty="0" smtClean="0">
+                <a:latin typeface="Courier"/>
+                <a:cs typeface="Courier"/>
+              </a:rPr>
+              <a:t> -</a:t>
+            </a:r>
+            <a:r>
+              <a:rPr lang="en-US" sz="1800" dirty="0">
+                <a:latin typeface="Courier"/>
+                <a:cs typeface="Courier"/>
+              </a:rPr>
+              <a:t>-format=bam --</a:t>
             </a:r>
             <a:r>
               <a:rPr lang="en-US" sz="1800" dirty="0" err="1">
                 <a:latin typeface="Courier"/>
                 <a:cs typeface="Courier"/>
               </a:rPr>
-              <a:t>pos</a:t>
+              <a:t>minaqual</a:t>
             </a:r>
             <a:r>
               <a:rPr lang="en-US" sz="1800" dirty="0">
                 <a:latin typeface="Courier"/>
                 <a:cs typeface="Courier"/>
               </a:rPr>
+              <a:t>=30 --mode=</a:t>
+            </a:r>
+            <a:r>
+              <a:rPr lang="en-US" sz="1800" dirty="0" smtClean="0">
+                <a:latin typeface="Courier"/>
+                <a:cs typeface="Courier"/>
+              </a:rPr>
+              <a:t>union \</a:t>
+            </a:r>
+          </a:p>
+          <a:p>
+            <a:pPr marL="0" indent="0">
+              <a:buNone/>
+            </a:pPr>
+            <a:r>
+              <a:rPr lang="en-US" sz="1800" dirty="0">
+                <a:latin typeface="Courier"/>
+                <a:cs typeface="Courier"/>
+              </a:rPr>
               <a:t> </a:t>
             </a:r>
             <a:r>
@@ -4164,87 +4223,7 @@
                 <a:latin typeface="Courier"/>
                 <a:cs typeface="Courier"/>
               </a:rPr>
-              <a:t>\</a:t>
-            </a:r>
-          </a:p>
-          <a:p>
-            <a:pPr marL="0" indent="0">
-              <a:buNone/>
-            </a:pPr>
-            <a:r>
-              <a:rPr lang="en-US" sz="1800" dirty="0">
-                <a:latin typeface="Courier"/>
-                <a:cs typeface="Courier"/>
-              </a:rPr>
-              <a:t> </a:t>
-            </a:r>
-            <a:r>
-              <a:rPr lang="en-US" sz="1800" dirty="0" smtClean="0">
-                <a:latin typeface="Courier"/>
-                <a:cs typeface="Courier"/>
-              </a:rPr>
-              <a:t> </a:t>
-            </a:r>
-            <a:r>
-              <a:rPr lang="en-US" sz="1800" dirty="0" smtClean="0">
-                <a:latin typeface="Courier"/>
-                <a:cs typeface="Courier"/>
-              </a:rPr>
-              <a:t>-</a:t>
-            </a:r>
-            <a:r>
-              <a:rPr lang="en-US" sz="1800" dirty="0">
-                <a:latin typeface="Courier"/>
-                <a:cs typeface="Courier"/>
-              </a:rPr>
-              <a:t>-format=bam --</a:t>
-            </a:r>
-            <a:r>
-              <a:rPr lang="en-US" sz="1800" dirty="0" err="1">
-                <a:latin typeface="Courier"/>
-                <a:cs typeface="Courier"/>
-              </a:rPr>
-              <a:t>minaqual</a:t>
-            </a:r>
-            <a:r>
-              <a:rPr lang="en-US" sz="1800" dirty="0">
-                <a:latin typeface="Courier"/>
-                <a:cs typeface="Courier"/>
-              </a:rPr>
-              <a:t>=30 --mode=</a:t>
-            </a:r>
-            <a:r>
-              <a:rPr lang="en-US" sz="1800" dirty="0" smtClean="0">
-                <a:latin typeface="Courier"/>
-                <a:cs typeface="Courier"/>
-              </a:rPr>
-              <a:t>union \</a:t>
-            </a:r>
-          </a:p>
-          <a:p>
-            <a:pPr marL="0" indent="0">
-              <a:buNone/>
-            </a:pPr>
-            <a:r>
-              <a:rPr lang="en-US" sz="1800" dirty="0">
-                <a:latin typeface="Courier"/>
-                <a:cs typeface="Courier"/>
-              </a:rPr>
-              <a:t> </a:t>
-            </a:r>
-            <a:r>
-              <a:rPr lang="en-US" sz="1800" dirty="0" smtClean="0">
-                <a:latin typeface="Courier"/>
-                <a:cs typeface="Courier"/>
-              </a:rPr>
-              <a:t> </a:t>
-            </a:r>
-            <a:r>
-              <a:rPr lang="en-US" sz="1800" dirty="0" smtClean="0">
-                <a:latin typeface="Courier"/>
-                <a:cs typeface="Courier"/>
-              </a:rPr>
-              <a:t>$</a:t>
+              <a:t> $</a:t>
             </a:r>
             <a:r>
               <a:rPr lang="en-US" sz="1800" dirty="0">
@@ -4864,16 +4843,12 @@
               <a:rPr lang="en-US" dirty="0"/>
             </a:br>
             <a:r>
-              <a:rPr lang="en-US" sz="2000" dirty="0" err="1" smtClean="0"/>
-              <a:t>datafile</a:t>
-            </a:r>
-            <a:r>
               <a:rPr lang="en-US" sz="2000" dirty="0" smtClean="0"/>
-              <a:t>=</a:t>
+              <a:t>/</a:t>
             </a:r>
             <a:r>
               <a:rPr lang="en-US" sz="2000" dirty="0"/>
-              <a:t>/homes/liu3zhen/teaching/BA17/Lab12_DE</a:t>
+              <a:t>homes/liu3zhen/teaching/BA17/Lab12_DE</a:t>
             </a:r>
             <a:r>
               <a:rPr lang="en-US" sz="2000" dirty="0" smtClean="0"/>
@@ -5028,11 +5003,18 @@
               <a:t>datafile</a:t>
             </a:r>
             <a:r>
+              <a:rPr lang="en-US" sz="1800" dirty="0" smtClean="0">
+                <a:latin typeface="Courier"/>
+                <a:cs typeface="Courier"/>
+              </a:rPr>
+              <a:t>="/</a:t>
+            </a:r>
+            <a:r>
               <a:rPr lang="en-US" sz="1800" dirty="0">
                 <a:latin typeface="Courier"/>
                 <a:cs typeface="Courier"/>
               </a:rPr>
-              <a:t>=/homes/liu3zhen/teaching/BA17/Lab12_DE</a:t>
+              <a:t>homes/liu3zhen/teaching/BA17/Lab12_DE</a:t>
             </a:r>
             <a:r>
               <a:rPr lang="en-US" sz="1800" dirty="0" smtClean="0">
@@ -5053,8 +5035,12 @@
                 <a:latin typeface="Courier"/>
                 <a:cs typeface="Courier"/>
               </a:rPr>
-              <a:t>txt</a:t>
-            </a:r>
+              <a:t>txt"</a:t>
+            </a:r>
+            <a:endParaRPr lang="en-US" sz="1800" dirty="0" smtClean="0">
+              <a:latin typeface="Courier"/>
+              <a:cs typeface="Courier"/>
+            </a:endParaRPr>
           </a:p>
           <a:p>
             <a:pPr marL="0" indent="0">
@@ -7016,11 +7002,7 @@
             </a:pPr>
             <a:r>
               <a:rPr lang="en-US" sz="3200" dirty="0" smtClean="0"/>
-              <a:t>-</a:t>
-            </a:r>
-            <a:r>
-              <a:rPr lang="en-US" sz="3200" dirty="0" smtClean="0"/>
-              <a:t>-----</a:t>
+              <a:t>------</a:t>
             </a:r>
             <a:r>
               <a:rPr lang="en-US" sz="3200" dirty="0"/>
@@ -7825,7 +7807,21 @@
                 <a:latin typeface="Courier"/>
                 <a:cs typeface="Courier"/>
               </a:rPr>
-              <a:t> –o $</a:t>
+              <a:t> </a:t>
+            </a:r>
+            <a:r>
+              <a:rPr lang="en-US" sz="2000" dirty="0" smtClean="0">
+                <a:latin typeface="Courier"/>
+                <a:cs typeface="Courier"/>
+              </a:rPr>
+              <a:t>-o </a:t>
+            </a:r>
+            <a:r>
+              <a:rPr lang="en-US" sz="2000" dirty="0" smtClean="0">
+                <a:latin typeface="Courier"/>
+                <a:cs typeface="Courier"/>
+              </a:rPr>
+              <a:t>$</a:t>
             </a:r>
             <a:r>
               <a:rPr lang="en-US" sz="2000" dirty="0" err="1" smtClean="0">
@@ -8546,7 +8542,21 @@
                 <a:latin typeface="Courier"/>
                 <a:cs typeface="Courier"/>
               </a:rPr>
-              <a:t> –o $</a:t>
+              <a:t> </a:t>
+            </a:r>
+            <a:r>
+              <a:rPr lang="en-US" sz="1600" dirty="0" smtClean="0">
+                <a:latin typeface="Courier"/>
+                <a:cs typeface="Courier"/>
+              </a:rPr>
+              <a:t>-o </a:t>
+            </a:r>
+            <a:r>
+              <a:rPr lang="en-US" sz="1600" dirty="0" smtClean="0">
+                <a:latin typeface="Courier"/>
+                <a:cs typeface="Courier"/>
+              </a:rPr>
+              <a:t>$</a:t>
             </a:r>
             <a:r>
               <a:rPr lang="en-US" sz="1600" dirty="0" err="1" smtClean="0">
